--- a/doc/presentation.pptx
+++ b/doc/presentation.pptx
@@ -6610,7 +6610,7 @@
               <a:t>structure (with </a:t>
             </a:r>
             <a:r>
-              <a:rPr lang="en-US" smtClean="0"/>
+              <a:rPr lang="en-US" dirty="0" err="1" smtClean="0"/>
               <a:t>upsampling</a:t>
             </a:r>
             <a:r>

--- a/doc/presentation.pptx
+++ b/doc/presentation.pptx
@@ -4927,11 +4927,7 @@
             </a:r>
             <a:r>
               <a:rPr lang="en-US" dirty="0" smtClean="0"/>
-              <a:t>English</a:t>
-            </a:r>
-            <a:r>
-              <a:rPr lang="en-US" dirty="0" smtClean="0"/>
-              <a:t>)</a:t>
+              <a:t>English)</a:t>
             </a:r>
             <a:endParaRPr lang="en-US" dirty="0"/>
           </a:p>
@@ -5574,7 +5570,11 @@
             </a:r>
             <a:r>
               <a:rPr lang="en-US" dirty="0"/>
-              <a:t>the dataset has over 40,000 entries and around 100 rows </a:t>
+              <a:t>the dataset has over 40,000 entries and around 100 </a:t>
+            </a:r>
+            <a:r>
+              <a:rPr lang="en-US" dirty="0" smtClean="0"/>
+              <a:t>columns </a:t>
             </a:r>
             <a:r>
               <a:rPr lang="en-DE" dirty="0"/>
@@ -6170,7 +6170,15 @@
             </a:r>
             <a:r>
               <a:rPr lang="en-US" dirty="0"/>
-              <a:t>potentially problematic chars (for example spaces</a:t>
+              <a:t>potentially problematic </a:t>
+            </a:r>
+            <a:r>
+              <a:rPr lang="en-US" dirty="0" smtClean="0"/>
+              <a:t>characters </a:t>
+            </a:r>
+            <a:r>
+              <a:rPr lang="en-US" dirty="0"/>
+              <a:t>(for example spaces</a:t>
             </a:r>
             <a:r>
               <a:rPr lang="en-US" dirty="0" smtClean="0"/>
@@ -6507,39 +6515,7 @@
                   <a:schemeClr val="tx1"/>
                 </a:solidFill>
               </a:rPr>
-              <a:t>Features </a:t>
-            </a:r>
-            <a:r>
-              <a:rPr lang="en-US" sz="1600" dirty="0" smtClean="0">
-                <a:solidFill>
-                  <a:schemeClr val="tx1"/>
-                </a:solidFill>
-              </a:rPr>
-              <a:t>most related (positively or negatively) to the sales variable </a:t>
-            </a:r>
-            <a:r>
-              <a:rPr lang="en-US" sz="1600" dirty="0" smtClean="0">
-                <a:solidFill>
-                  <a:schemeClr val="tx1"/>
-                </a:solidFill>
-              </a:rPr>
-              <a:t>should be </a:t>
-            </a:r>
-            <a:r>
-              <a:rPr lang="en-US" sz="1600" dirty="0" smtClean="0">
-                <a:solidFill>
-                  <a:schemeClr val="tx1"/>
-                </a:solidFill>
-              </a:rPr>
-              <a:t>selected for building the </a:t>
-            </a:r>
-            <a:r>
-              <a:rPr lang="en-US" sz="1600" dirty="0" smtClean="0">
-                <a:solidFill>
-                  <a:schemeClr val="tx1"/>
-                </a:solidFill>
-              </a:rPr>
-              <a:t>models</a:t>
+              <a:t>Features most related (positively or negatively) to the sales variable should be selected for building the models</a:t>
             </a:r>
           </a:p>
           <a:p>
@@ -6558,7 +6534,23 @@
                   <a:schemeClr val="tx1"/>
                 </a:solidFill>
               </a:rPr>
-              <a:t>Multiple options of maximum numbers of features were tested</a:t>
+              <a:t>Multiple options of maximum </a:t>
+            </a:r>
+            <a:r>
+              <a:rPr lang="en-US" sz="1600" dirty="0" smtClean="0">
+                <a:solidFill>
+                  <a:schemeClr val="tx1"/>
+                </a:solidFill>
+              </a:rPr>
+              <a:t>number </a:t>
+            </a:r>
+            <a:r>
+              <a:rPr lang="en-US" sz="1600" dirty="0" smtClean="0">
+                <a:solidFill>
+                  <a:schemeClr val="tx1"/>
+                </a:solidFill>
+              </a:rPr>
+              <a:t>of features were tested</a:t>
             </a:r>
           </a:p>
           <a:p>
@@ -6602,28 +6594,8 @@
               <a:t>Final </a:t>
             </a:r>
             <a:r>
-              <a:rPr lang="en-US" dirty="0"/>
-              <a:t>Dataset </a:t>
-            </a:r>
-            <a:r>
               <a:rPr lang="en-US" dirty="0" smtClean="0"/>
-              <a:t>structure (with </a:t>
-            </a:r>
-            <a:r>
-              <a:rPr lang="en-US" dirty="0" err="1" smtClean="0"/>
-              <a:t>upsampling</a:t>
-            </a:r>
-            <a:r>
-              <a:rPr lang="en-US" dirty="0" smtClean="0"/>
-              <a:t>): 78734 </a:t>
-            </a:r>
-            <a:r>
-              <a:rPr lang="en-US" dirty="0"/>
-              <a:t>rows x 628 </a:t>
-            </a:r>
-            <a:r>
-              <a:rPr lang="en-US" dirty="0" smtClean="0"/>
-              <a:t>columns </a:t>
+              <a:t>Dataset: 628 features </a:t>
             </a:r>
             <a:endParaRPr lang="en-US" dirty="0" smtClean="0">
               <a:solidFill>
@@ -6940,19 +6912,11 @@
             </a:pPr>
             <a:r>
               <a:rPr lang="de-DE" b="1" dirty="0" smtClean="0"/>
-              <a:t>Solution</a:t>
-            </a:r>
-            <a:r>
-              <a:rPr lang="de-DE" b="1" smtClean="0"/>
-              <a:t>:</a:t>
-            </a:r>
-            <a:r>
-              <a:rPr lang="de-DE" smtClean="0"/>
-              <a:t> Use of upsampling </a:t>
+              <a:t>Solution:</a:t>
             </a:r>
             <a:r>
               <a:rPr lang="de-DE" dirty="0" smtClean="0"/>
-              <a:t>to balance the data</a:t>
+              <a:t> Use of upsampling to balance the data</a:t>
             </a:r>
             <a:endParaRPr lang="en-US" b="1" dirty="0" smtClean="0"/>
           </a:p>
@@ -7243,7 +7207,15 @@
             </a:pPr>
             <a:r>
               <a:rPr lang="en-US" dirty="0" smtClean="0"/>
-              <a:t>Models tried: Gradient Boosting Classifier, Logistic Regression, Gaussian Naive Bayes, Perceptron, </a:t>
+              <a:t>Models tried: Gradient Boosting Classifier, Logistic Regression, Gaussian Naive Bayes, </a:t>
+            </a:r>
+            <a:r>
+              <a:rPr lang="en-US" dirty="0" smtClean="0"/>
+              <a:t>Multilayer-Perceptron</a:t>
+            </a:r>
+            <a:r>
+              <a:rPr lang="en-US" dirty="0" smtClean="0"/>
+              <a:t>, </a:t>
             </a:r>
             <a:r>
               <a:rPr lang="en-US" dirty="0"/>
@@ -7270,11 +7242,7 @@
             </a:r>
             <a:r>
               <a:rPr lang="en-US" dirty="0" smtClean="0"/>
-              <a:t>Random Forest with </a:t>
-            </a:r>
-            <a:r>
-              <a:rPr lang="en-US" dirty="0" smtClean="0"/>
-              <a:t>98% accuracy</a:t>
+              <a:t>Random Forest with 98% accuracy</a:t>
             </a:r>
           </a:p>
         </p:txBody>
@@ -8277,7 +8245,7 @@
                   <a:schemeClr val="tx1"/>
                 </a:solidFill>
               </a:rPr>
-              <a:t>hyperparaeters</a:t>
+              <a:t>hyperparameters</a:t>
             </a:r>
             <a:endParaRPr lang="en-US" sz="1600" dirty="0" smtClean="0">
               <a:solidFill>
@@ -8299,12 +8267,12 @@
               <a:defRPr/>
             </a:pPr>
             <a:r>
-              <a:rPr lang="en-US" sz="1600" dirty="0" err="1" smtClean="0">
+              <a:rPr lang="en-US" sz="1600" dirty="0">
                 <a:solidFill>
                   <a:schemeClr val="tx1"/>
                 </a:solidFill>
               </a:rPr>
-              <a:t>Minmizes</a:t>
+              <a:t>Optimizes search by using previous </a:t>
             </a:r>
             <a:r>
               <a:rPr lang="en-US" sz="1600" dirty="0" smtClean="0">
@@ -8312,8 +8280,13 @@
                   <a:schemeClr val="tx1"/>
                 </a:solidFill>
               </a:rPr>
-              <a:t> number of necessary evaluations</a:t>
-            </a:r>
+              <a:t>iterations</a:t>
+            </a:r>
+            <a:endParaRPr lang="en-US" sz="1600" dirty="0" smtClean="0">
+              <a:solidFill>
+                <a:schemeClr val="tx1"/>
+              </a:solidFill>
+            </a:endParaRPr>
           </a:p>
           <a:p>
             <a:pPr marL="900113" lvl="2" indent="-214313" algn="l">
@@ -8329,13 +8302,34 @@
               <a:defRPr/>
             </a:pPr>
             <a:r>
+              <a:rPr lang="en-US" sz="1600" dirty="0" err="1" smtClean="0">
+                <a:solidFill>
+                  <a:schemeClr val="tx1"/>
+                </a:solidFill>
+              </a:rPr>
+              <a:t>Minmizes</a:t>
+            </a:r>
+            <a:r>
               <a:rPr lang="en-US" sz="1600" dirty="0" smtClean="0">
                 <a:solidFill>
                   <a:schemeClr val="tx1"/>
                 </a:solidFill>
               </a:rPr>
-              <a:t>Optimizes search by using previous iterations</a:t>
-            </a:r>
+              <a:t> number of necessary </a:t>
+            </a:r>
+            <a:r>
+              <a:rPr lang="en-US" sz="1600" dirty="0" smtClean="0">
+                <a:solidFill>
+                  <a:schemeClr val="tx1"/>
+                </a:solidFill>
+              </a:rPr>
+              <a:t>evaluations</a:t>
+            </a:r>
+            <a:endParaRPr lang="en-US" sz="1600" dirty="0" smtClean="0">
+              <a:solidFill>
+                <a:schemeClr val="tx1"/>
+              </a:solidFill>
+            </a:endParaRPr>
           </a:p>
         </p:txBody>
       </p:sp>

--- a/doc/presentation.pptx
+++ b/doc/presentation.pptx
@@ -266,7 +266,7 @@
           <a:p>
             <a:fld id="{0C1536B9-5F5C-4A2C-AF12-C3FD1E8FC9A0}" type="datetimeFigureOut">
               <a:rPr lang="de-DE" smtClean="0"/>
-              <a:t>12.02.2024</a:t>
+              <a:t>13.02.2024</a:t>
             </a:fld>
             <a:endParaRPr lang="de-DE"/>
           </a:p>
@@ -6534,23 +6534,7 @@
                   <a:schemeClr val="tx1"/>
                 </a:solidFill>
               </a:rPr>
-              <a:t>Multiple options of maximum </a:t>
-            </a:r>
-            <a:r>
-              <a:rPr lang="en-US" sz="1600" dirty="0" smtClean="0">
-                <a:solidFill>
-                  <a:schemeClr val="tx1"/>
-                </a:solidFill>
-              </a:rPr>
-              <a:t>number </a:t>
-            </a:r>
-            <a:r>
-              <a:rPr lang="en-US" sz="1600" dirty="0" smtClean="0">
-                <a:solidFill>
-                  <a:schemeClr val="tx1"/>
-                </a:solidFill>
-              </a:rPr>
-              <a:t>of features were tested</a:t>
+              <a:t>Multiple options of maximum number of features were tested</a:t>
             </a:r>
           </a:p>
           <a:p>
@@ -7207,19 +7191,19 @@
             </a:pPr>
             <a:r>
               <a:rPr lang="en-US" dirty="0" smtClean="0"/>
-              <a:t>Models tried: Gradient Boosting Classifier, Logistic Regression, Gaussian Naive Bayes, </a:t>
+              <a:t>Models </a:t>
             </a:r>
             <a:r>
               <a:rPr lang="en-US" dirty="0" smtClean="0"/>
-              <a:t>Multilayer-Perceptron</a:t>
+              <a:t>tried: Logistic </a:t>
             </a:r>
             <a:r>
               <a:rPr lang="en-US" dirty="0" smtClean="0"/>
-              <a:t>, </a:t>
+              <a:t>Regression, Gaussian Naive Bayes, Multilayer-Perceptron, </a:t>
             </a:r>
             <a:r>
               <a:rPr lang="en-US" dirty="0"/>
-              <a:t>Random Forest</a:t>
+              <a:t>Random Forest, Gradient Boosting Classifier</a:t>
             </a:r>
             <a:endParaRPr lang="en-US" dirty="0" smtClean="0"/>
           </a:p>
@@ -7242,7 +7226,15 @@
             </a:r>
             <a:r>
               <a:rPr lang="en-US" dirty="0" smtClean="0"/>
-              <a:t>Random Forest with 98% accuracy</a:t>
+              <a:t>Random Forest with </a:t>
+            </a:r>
+            <a:r>
+              <a:rPr lang="en-US" dirty="0" smtClean="0"/>
+              <a:t>84% </a:t>
+            </a:r>
+            <a:r>
+              <a:rPr lang="en-US" dirty="0" smtClean="0"/>
+              <a:t>accuracy</a:t>
             </a:r>
           </a:p>
         </p:txBody>
@@ -8282,11 +8274,6 @@
               </a:rPr>
               <a:t>iterations</a:t>
             </a:r>
-            <a:endParaRPr lang="en-US" sz="1600" dirty="0" smtClean="0">
-              <a:solidFill>
-                <a:schemeClr val="tx1"/>
-              </a:solidFill>
-            </a:endParaRPr>
           </a:p>
           <a:p>
             <a:pPr marL="900113" lvl="2" indent="-214313" algn="l">
@@ -8315,21 +8302,8 @@
                   <a:schemeClr val="tx1"/>
                 </a:solidFill>
               </a:rPr>
-              <a:t> number of necessary </a:t>
-            </a:r>
-            <a:r>
-              <a:rPr lang="en-US" sz="1600" dirty="0" smtClean="0">
-                <a:solidFill>
-                  <a:schemeClr val="tx1"/>
-                </a:solidFill>
-              </a:rPr>
-              <a:t>evaluations</a:t>
-            </a:r>
-            <a:endParaRPr lang="en-US" sz="1600" dirty="0" smtClean="0">
-              <a:solidFill>
-                <a:schemeClr val="tx1"/>
-              </a:solidFill>
-            </a:endParaRPr>
+              <a:t> number of necessary evaluations</a:t>
+            </a:r>
           </a:p>
         </p:txBody>
       </p:sp>

--- a/doc/presentation.pptx
+++ b/doc/presentation.pptx
@@ -4645,7 +4645,7 @@
               <a:buNone/>
             </a:pPr>
             <a:r>
-              <a:rPr lang="de-DE" dirty="0" smtClean="0"/>
+              <a:rPr lang="de-DE" dirty="0"/>
               <a:t>Quantitative Data Analysis</a:t>
             </a:r>
           </a:p>
@@ -4657,7 +4657,7 @@
               <a:buNone/>
             </a:pPr>
             <a:r>
-              <a:rPr lang="de-DE" b="0" dirty="0" smtClean="0"/>
+              <a:rPr lang="de-DE" b="0" dirty="0"/>
               <a:t>Ronny Porsch</a:t>
             </a:r>
           </a:p>
@@ -4670,13 +4670,8 @@
             </a:pPr>
             <a:r>
               <a:rPr lang="de-DE" b="0" dirty="0"/>
-              <a:t>Flavian </a:t>
-            </a:r>
-            <a:r>
-              <a:rPr lang="de-DE" b="0" dirty="0" smtClean="0"/>
-              <a:t>Kanickairaj</a:t>
-            </a:r>
-            <a:endParaRPr lang="de-DE" b="0" dirty="0"/>
+              <a:t>Flavian Kanickairaj</a:t>
+            </a:r>
           </a:p>
         </p:txBody>
       </p:sp>
@@ -4685,13 +4680,6 @@
   <p:clrMapOvr>
     <a:masterClrMapping/>
   </p:clrMapOvr>
-  <p:timing>
-    <p:tnLst>
-      <p:par>
-        <p:cTn id="1" dur="indefinite" restart="never" nodeType="tmRoot"/>
-      </p:par>
-    </p:tnLst>
-  </p:timing>
 </p:sld>
 </file>
 
@@ -4752,13 +4740,13 @@
           <a:lstStyle/>
           <a:p>
             <a:r>
-              <a:rPr lang="en-US" dirty="0" smtClean="0"/>
+              <a:rPr lang="en-US" dirty="0"/>
               <a:t>Super additional task</a:t>
             </a:r>
           </a:p>
           <a:p>
             <a:r>
-              <a:rPr lang="en-US" b="0" dirty="0" smtClean="0"/>
+              <a:rPr lang="en-US" b="0" dirty="0"/>
               <a:t>Recommendations for better data collection</a:t>
             </a:r>
             <a:endParaRPr lang="de-DE" b="0" dirty="0"/>
@@ -4800,15 +4788,15 @@
               <a:defRPr/>
             </a:pPr>
             <a:r>
-              <a:rPr lang="en-US" dirty="0" smtClean="0"/>
+              <a:rPr lang="en-US" dirty="0"/>
               <a:t>Only allow datatypes that make sense (for example, no strings in </a:t>
             </a:r>
             <a:r>
-              <a:rPr lang="en-US" dirty="0" err="1" smtClean="0"/>
+              <a:rPr lang="en-US" dirty="0" err="1"/>
               <a:t>Einreisejahr</a:t>
             </a:r>
             <a:r>
-              <a:rPr lang="en-US" dirty="0" smtClean="0"/>
+              <a:rPr lang="en-US" dirty="0"/>
               <a:t>)</a:t>
             </a:r>
           </a:p>
@@ -4826,7 +4814,7 @@
               <a:defRPr/>
             </a:pPr>
             <a:r>
-              <a:rPr lang="en-US" altLang="de-DE" dirty="0" smtClean="0"/>
+              <a:rPr lang="en-US" altLang="de-DE" dirty="0"/>
               <a:t>Check length of values where applicable </a:t>
             </a:r>
             <a:r>
@@ -4839,11 +4827,7 @@
             </a:r>
             <a:r>
               <a:rPr lang="en-US" dirty="0"/>
-              <a:t>" should always consist of 4 digits</a:t>
-            </a:r>
-            <a:r>
-              <a:rPr lang="en-US" dirty="0" smtClean="0"/>
-              <a:t>)</a:t>
+              <a:t>" should always consist of 4 digits)</a:t>
             </a:r>
           </a:p>
           <a:p>
@@ -4877,15 +4861,7 @@
             </a:r>
             <a:r>
               <a:rPr lang="en-US" dirty="0"/>
-              <a:t>" -&gt; </a:t>
-            </a:r>
-            <a:r>
-              <a:rPr lang="en-US" dirty="0" smtClean="0"/>
-              <a:t>some </a:t>
-            </a:r>
-            <a:r>
-              <a:rPr lang="en-US" dirty="0"/>
-              <a:t>values are semantically the same but differ in syntax -&gt; data cleaning necessary</a:t>
+              <a:t>" -&gt; some values are semantically the same but differ in syntax -&gt; data cleaning necessary</a:t>
             </a:r>
           </a:p>
           <a:p>
@@ -4902,34 +4878,9 @@
               <a:defRPr/>
             </a:pPr>
             <a:r>
-              <a:rPr lang="en-US" dirty="0" smtClean="0"/>
-              <a:t>Use </a:t>
-            </a:r>
-            <a:r>
               <a:rPr lang="en-US" dirty="0"/>
-              <a:t>a consistent naming scheme (sometimes </a:t>
-            </a:r>
-            <a:r>
-              <a:rPr lang="en-US" dirty="0" smtClean="0"/>
-              <a:t>all </a:t>
-            </a:r>
-            <a:r>
-              <a:rPr lang="en-US" dirty="0"/>
-              <a:t>lower case, sometimes first letter is upper case; randomly changing between </a:t>
-            </a:r>
-            <a:r>
-              <a:rPr lang="en-US" dirty="0" smtClean="0"/>
-              <a:t>German </a:t>
-            </a:r>
-            <a:r>
-              <a:rPr lang="en-US" dirty="0"/>
-              <a:t>and </a:t>
-            </a:r>
-            <a:r>
-              <a:rPr lang="en-US" dirty="0" smtClean="0"/>
-              <a:t>English)</a:t>
-            </a:r>
-            <a:endParaRPr lang="en-US" dirty="0"/>
+              <a:t>Use a consistent naming scheme (sometimes all lower case, sometimes first letter is upper case; randomly changing between German and English)</a:t>
+            </a:r>
           </a:p>
         </p:txBody>
       </p:sp>
@@ -4943,13 +4894,6 @@
   <p:clrMapOvr>
     <a:masterClrMapping/>
   </p:clrMapOvr>
-  <p:timing>
-    <p:tnLst>
-      <p:par>
-        <p:cTn id="1" dur="indefinite" restart="never" nodeType="tmRoot"/>
-      </p:par>
-    </p:tnLst>
-  </p:timing>
 </p:sld>
 </file>
 
@@ -5010,7 +4954,7 @@
           <a:lstStyle/>
           <a:p>
             <a:r>
-              <a:rPr lang="en-US" dirty="0" smtClean="0"/>
+              <a:rPr lang="en-US" dirty="0"/>
               <a:t>Literature</a:t>
             </a:r>
           </a:p>
@@ -5085,11 +5029,7 @@
             </a:r>
             <a:r>
               <a:rPr lang="en-US" dirty="0"/>
-              <a:t>) Supervised and Unsupervised Learning for Data Science . Unsupervised and Semi-Supervised Learning. Springer, Cham</a:t>
-            </a:r>
-            <a:r>
-              <a:rPr lang="en-US" dirty="0" smtClean="0"/>
-              <a:t>.</a:t>
+              <a:t>) Supervised and Unsupervised Learning for Data Science . Unsupervised and Semi-Supervised Learning. Springer, Cham.</a:t>
             </a:r>
           </a:p>
           <a:p>
@@ -5102,7 +5042,7 @@
               <a:buChar char="•"/>
               <a:defRPr/>
             </a:pPr>
-            <a:endParaRPr lang="en-US" dirty="0" smtClean="0"/>
+            <a:endParaRPr lang="en-US" dirty="0"/>
           </a:p>
           <a:p>
             <a:pPr marL="214313" indent="-214313">
@@ -5198,15 +5138,9 @@
               <a:rPr lang="en-US" dirty="0">
                 <a:hlinkClick r:id="rId2"/>
               </a:rPr>
-              <a:t>https://</a:t>
-            </a:r>
-            <a:r>
-              <a:rPr lang="en-US" dirty="0" smtClean="0">
-                <a:hlinkClick r:id="rId2"/>
-              </a:rPr>
-              <a:t>doi.org/10.1002/cpt.1796</a:t>
-            </a:r>
-            <a:endParaRPr lang="en-US" dirty="0" smtClean="0"/>
+              <a:t>https://doi.org/10.1002/cpt.1796</a:t>
+            </a:r>
+            <a:endParaRPr lang="en-US" dirty="0"/>
           </a:p>
           <a:p>
             <a:pPr marL="214313" indent="-214313">
@@ -5218,7 +5152,7 @@
               <a:buChar char="•"/>
               <a:defRPr/>
             </a:pPr>
-            <a:endParaRPr lang="en-US" dirty="0" smtClean="0"/>
+            <a:endParaRPr lang="en-US" dirty="0"/>
           </a:p>
           <a:p>
             <a:pPr marL="214313" indent="-214313">
@@ -5283,13 +5217,6 @@
   <p:clrMapOvr>
     <a:masterClrMapping/>
   </p:clrMapOvr>
-  <p:timing>
-    <p:tnLst>
-      <p:par>
-        <p:cTn id="1" dur="indefinite" restart="never" nodeType="tmRoot"/>
-      </p:par>
-    </p:tnLst>
-  </p:timing>
 </p:sld>
 </file>
 
@@ -5350,18 +5277,17 @@
           <a:lstStyle/>
           <a:p>
             <a:r>
-              <a:rPr lang="de-DE" dirty="0" smtClean="0"/>
+              <a:rPr lang="de-DE" dirty="0"/>
               <a:t>Initial situation </a:t>
             </a:r>
             <a:r>
-              <a:rPr lang="en-DE" dirty="0" smtClean="0"/>
+              <a:rPr lang="en-DE" dirty="0"/>
               <a:t>–</a:t>
             </a:r>
             <a:r>
-              <a:rPr lang="de-DE" dirty="0" smtClean="0"/>
+              <a:rPr lang="de-DE" dirty="0"/>
               <a:t> a huge pile of CRM data</a:t>
             </a:r>
-            <a:endParaRPr lang="de-DE" dirty="0"/>
           </a:p>
         </p:txBody>
       </p:sp>
@@ -5447,14 +5373,13 @@
                 <a:t>: </a:t>
               </a:r>
               <a:r>
-                <a:rPr lang="en-US" sz="1000" dirty="0" err="1" smtClean="0"/>
+                <a:rPr lang="en-US" sz="1000" dirty="0" err="1"/>
                 <a:t>Migrando</a:t>
               </a:r>
               <a:r>
-                <a:rPr lang="en-US" sz="1000" dirty="0" smtClean="0"/>
+                <a:rPr lang="en-US" sz="1000" dirty="0"/>
                 <a:t> UG</a:t>
               </a:r>
-              <a:endParaRPr lang="en-US" sz="1000" dirty="0"/>
             </a:p>
           </p:txBody>
         </p:sp>
@@ -5492,7 +5417,7 @@
               <a:defRPr/>
             </a:pPr>
             <a:r>
-              <a:rPr lang="de-DE" altLang="de-DE" dirty="0" smtClean="0"/>
+              <a:rPr lang="de-DE" altLang="de-DE" dirty="0"/>
               <a:t>We have a large dataset with customer data</a:t>
             </a:r>
             <a:endParaRPr lang="de-DE" altLang="de-DE" b="1" dirty="0"/>
@@ -5511,18 +5436,17 @@
               <a:defRPr/>
             </a:pPr>
             <a:r>
-              <a:rPr lang="de-DE" altLang="de-DE" dirty="0" smtClean="0"/>
+              <a:rPr lang="de-DE" altLang="de-DE" dirty="0"/>
               <a:t>Dataset provided by Mirgando </a:t>
             </a:r>
             <a:r>
-              <a:rPr lang="en-DE" altLang="de-DE" dirty="0" smtClean="0"/>
+              <a:rPr lang="en-DE" altLang="de-DE" dirty="0"/>
               <a:t>–</a:t>
             </a:r>
             <a:r>
-              <a:rPr lang="de-DE" altLang="de-DE" dirty="0" smtClean="0"/>
+              <a:rPr lang="de-DE" altLang="de-DE" dirty="0"/>
               <a:t> a company that helps deals with immigration law</a:t>
             </a:r>
-            <a:endParaRPr lang="de-DE" altLang="de-DE" dirty="0"/>
           </a:p>
           <a:p>
             <a:pPr marL="214313" indent="-214313">
@@ -5538,14 +5462,13 @@
               <a:defRPr/>
             </a:pPr>
             <a:r>
-              <a:rPr lang="de-DE" altLang="de-DE" b="1" dirty="0" smtClean="0"/>
+              <a:rPr lang="de-DE" altLang="de-DE" b="1" dirty="0"/>
               <a:t>Goal</a:t>
             </a:r>
             <a:r>
-              <a:rPr lang="de-DE" altLang="de-DE" dirty="0" smtClean="0"/>
+              <a:rPr lang="de-DE" altLang="de-DE" dirty="0"/>
               <a:t>: predicting sales based on the dataset</a:t>
             </a:r>
-            <a:endParaRPr lang="de-DE" altLang="de-DE" dirty="0"/>
           </a:p>
           <a:p>
             <a:pPr marL="214313" indent="-214313">
@@ -5561,20 +5484,16 @@
               <a:defRPr/>
             </a:pPr>
             <a:r>
-              <a:rPr lang="de-DE" altLang="de-DE" b="1" dirty="0" smtClean="0"/>
+              <a:rPr lang="de-DE" altLang="de-DE" b="1" dirty="0"/>
               <a:t>Problem</a:t>
             </a:r>
             <a:r>
-              <a:rPr lang="de-DE" altLang="de-DE" dirty="0" smtClean="0"/>
+              <a:rPr lang="de-DE" altLang="de-DE" dirty="0"/>
               <a:t>: </a:t>
             </a:r>
             <a:r>
               <a:rPr lang="en-US" dirty="0"/>
-              <a:t>the dataset has over 40,000 entries and around 100 </a:t>
-            </a:r>
-            <a:r>
-              <a:rPr lang="en-US" dirty="0" smtClean="0"/>
-              <a:t>columns </a:t>
+              <a:t>the dataset has over 40,000 entries and around 100 columns </a:t>
             </a:r>
             <a:r>
               <a:rPr lang="en-DE" dirty="0"/>
@@ -5620,13 +5539,6 @@
   <p:clrMapOvr>
     <a:masterClrMapping/>
   </p:clrMapOvr>
-  <p:timing>
-    <p:tnLst>
-      <p:par>
-        <p:cTn id="1" dur="indefinite" restart="never" nodeType="tmRoot"/>
-      </p:par>
-    </p:tnLst>
-  </p:timing>
 </p:sld>
 </file>
 
@@ -5687,15 +5599,15 @@
           <a:lstStyle/>
           <a:p>
             <a:r>
-              <a:rPr lang="en-US" dirty="0" smtClean="0"/>
+              <a:rPr lang="en-US" dirty="0"/>
               <a:t>Idea </a:t>
             </a:r>
             <a:r>
-              <a:rPr lang="en-DE" dirty="0" smtClean="0"/>
+              <a:rPr lang="en-DE" dirty="0"/>
               <a:t>–</a:t>
             </a:r>
             <a:r>
-              <a:rPr lang="en-US" dirty="0" smtClean="0"/>
+              <a:rPr lang="en-US" dirty="0"/>
               <a:t> Let’s use Machine Learning!</a:t>
             </a:r>
             <a:endParaRPr lang="de-DE" dirty="0"/>
@@ -5735,7 +5647,7 @@
               <a:defRPr/>
             </a:pPr>
             <a:r>
-              <a:rPr lang="en-US" dirty="0" smtClean="0"/>
+              <a:rPr lang="en-US" dirty="0"/>
               <a:t>ML can be used to find patterns in data</a:t>
             </a:r>
           </a:p>
@@ -5753,7 +5665,7 @@
               <a:defRPr/>
             </a:pPr>
             <a:r>
-              <a:rPr lang="en-US" dirty="0" smtClean="0"/>
+              <a:rPr lang="en-US" dirty="0"/>
               <a:t>ML can be divided in Supervised and Unsupervised Learning [1]</a:t>
             </a:r>
           </a:p>
@@ -5772,11 +5684,7 @@
             </a:pPr>
             <a:r>
               <a:rPr lang="en-US" dirty="0"/>
-              <a:t>Usage of Machine Learning (ML) to predict </a:t>
-            </a:r>
-            <a:r>
-              <a:rPr lang="en-US" dirty="0" smtClean="0"/>
-              <a:t>sales</a:t>
+              <a:t>Usage of Machine Learning (ML) to predict sales</a:t>
             </a:r>
           </a:p>
           <a:p>
@@ -5793,7 +5701,7 @@
               <a:defRPr/>
             </a:pPr>
             <a:r>
-              <a:rPr lang="en-US" dirty="0" smtClean="0"/>
+              <a:rPr lang="en-US" dirty="0"/>
               <a:t>Here we have labels in our data, therefore we use supervised Learning</a:t>
             </a:r>
           </a:p>
@@ -5810,7 +5718,7 @@
               <a:buChar char="•"/>
               <a:defRPr/>
             </a:pPr>
-            <a:endParaRPr lang="de-DE" altLang="de-DE" dirty="0" smtClean="0"/>
+            <a:endParaRPr lang="de-DE" altLang="de-DE" dirty="0"/>
           </a:p>
           <a:p>
             <a:pPr>
@@ -5996,13 +5904,6 @@
   <p:clrMapOvr>
     <a:masterClrMapping/>
   </p:clrMapOvr>
-  <p:timing>
-    <p:tnLst>
-      <p:par>
-        <p:cTn id="1" dur="indefinite" restart="never" nodeType="tmRoot"/>
-      </p:par>
-    </p:tnLst>
-  </p:timing>
 </p:sld>
 </file>
 
@@ -6063,13 +5964,13 @@
           <a:lstStyle/>
           <a:p>
             <a:r>
-              <a:rPr lang="en-US" dirty="0" smtClean="0"/>
+              <a:rPr lang="en-US" dirty="0"/>
               <a:t>Approach</a:t>
             </a:r>
           </a:p>
           <a:p>
             <a:r>
-              <a:rPr lang="en-US" b="0" dirty="0" smtClean="0"/>
+              <a:rPr lang="en-US" b="0" dirty="0"/>
               <a:t>Cleaning the Dataset</a:t>
             </a:r>
             <a:endParaRPr lang="de-DE" b="0" dirty="0"/>
@@ -6111,7 +6012,7 @@
               <a:defRPr/>
             </a:pPr>
             <a:r>
-              <a:rPr lang="de-DE" altLang="de-DE" dirty="0" smtClean="0"/>
+              <a:rPr lang="de-DE" altLang="de-DE" dirty="0"/>
               <a:t>Joining of both data sets</a:t>
             </a:r>
           </a:p>
@@ -6129,7 +6030,7 @@
               <a:defRPr/>
             </a:pPr>
             <a:r>
-              <a:rPr lang="de-DE" altLang="de-DE" dirty="0" smtClean="0"/>
+              <a:rPr lang="de-DE" altLang="de-DE" dirty="0"/>
               <a:t>Removal of Visitor_Score</a:t>
             </a:r>
           </a:p>
@@ -6147,7 +6048,7 @@
               <a:defRPr/>
             </a:pPr>
             <a:r>
-              <a:rPr lang="de-DE" altLang="de-DE" dirty="0" smtClean="0"/>
+              <a:rPr lang="de-DE" altLang="de-DE" dirty="0"/>
               <a:t>Transformation of sales column: 0 -&gt; 0, rest -&gt; 1</a:t>
             </a:r>
           </a:p>
@@ -6165,24 +6066,8 @@
               <a:defRPr/>
             </a:pPr>
             <a:r>
-              <a:rPr lang="en-US" dirty="0" smtClean="0"/>
-              <a:t>Replacement of </a:t>
-            </a:r>
-            <a:r>
               <a:rPr lang="en-US" dirty="0"/>
-              <a:t>potentially problematic </a:t>
-            </a:r>
-            <a:r>
-              <a:rPr lang="en-US" dirty="0" smtClean="0"/>
-              <a:t>characters </a:t>
-            </a:r>
-            <a:r>
-              <a:rPr lang="en-US" dirty="0"/>
-              <a:t>(for example spaces</a:t>
-            </a:r>
-            <a:r>
-              <a:rPr lang="en-US" dirty="0" smtClean="0"/>
-              <a:t>)</a:t>
+              <a:t>Replacement of potentially problematic characters (for example spaces)</a:t>
             </a:r>
           </a:p>
           <a:p>
@@ -6199,16 +6084,8 @@
               <a:defRPr/>
             </a:pPr>
             <a:r>
-              <a:rPr lang="en-US" dirty="0" smtClean="0"/>
-              <a:t>Merging of </a:t>
-            </a:r>
-            <a:r>
               <a:rPr lang="en-US" dirty="0"/>
-              <a:t>phone-columns with their non-phone-equivalents (where those existed</a:t>
-            </a:r>
-            <a:r>
-              <a:rPr lang="en-US" dirty="0" smtClean="0"/>
-              <a:t>)</a:t>
+              <a:t>Merging of phone-columns with their non-phone-equivalents (where those existed)</a:t>
             </a:r>
           </a:p>
           <a:p>
@@ -6225,16 +6102,8 @@
               <a:defRPr/>
             </a:pPr>
             <a:r>
-              <a:rPr lang="en-US" dirty="0" smtClean="0"/>
-              <a:t>Creation of </a:t>
-            </a:r>
-            <a:r>
               <a:rPr lang="en-US" dirty="0"/>
-              <a:t>dummy values for categorical </a:t>
-            </a:r>
-            <a:r>
-              <a:rPr lang="en-US" dirty="0" smtClean="0"/>
-              <a:t>features</a:t>
+              <a:t>Creation of dummy values for categorical features</a:t>
             </a:r>
           </a:p>
           <a:p>
@@ -6251,7 +6120,7 @@
               <a:defRPr/>
             </a:pPr>
             <a:r>
-              <a:rPr lang="en-US" dirty="0" smtClean="0"/>
+              <a:rPr lang="en-US" dirty="0"/>
               <a:t>Replaced </a:t>
             </a:r>
             <a:r>
@@ -6260,11 +6129,7 @@
             </a:r>
             <a:r>
               <a:rPr lang="en-US" dirty="0"/>
-              <a:t> with 0 where </a:t>
-            </a:r>
-            <a:r>
-              <a:rPr lang="en-US" dirty="0" smtClean="0"/>
-              <a:t>applicable</a:t>
+              <a:t> with 0 where applicable</a:t>
             </a:r>
           </a:p>
           <a:p>
@@ -6281,24 +6146,8 @@
               <a:defRPr/>
             </a:pPr>
             <a:r>
-              <a:rPr lang="en-US" dirty="0" smtClean="0"/>
-              <a:t>Transformed </a:t>
-            </a:r>
-            <a:r>
               <a:rPr lang="en-US" dirty="0"/>
-              <a:t>floats to </a:t>
-            </a:r>
-            <a:r>
-              <a:rPr lang="en-US" dirty="0" smtClean="0"/>
-              <a:t>Integers </a:t>
-            </a:r>
-            <a:r>
-              <a:rPr lang="en-US" dirty="0"/>
-              <a:t>where applicable (years, number of children etc</a:t>
-            </a:r>
-            <a:r>
-              <a:rPr lang="en-US" dirty="0" smtClean="0"/>
-              <a:t>.)</a:t>
+              <a:t>Transformed floats to Integers where applicable (years, number of children etc.)</a:t>
             </a:r>
           </a:p>
         </p:txBody>
@@ -6313,13 +6162,6 @@
   <p:clrMapOvr>
     <a:masterClrMapping/>
   </p:clrMapOvr>
-  <p:timing>
-    <p:tnLst>
-      <p:par>
-        <p:cTn id="1" dur="indefinite" restart="never" nodeType="tmRoot"/>
-      </p:par>
-    </p:tnLst>
-  </p:timing>
 </p:sld>
 </file>
 
@@ -6380,13 +6222,13 @@
           <a:lstStyle/>
           <a:p>
             <a:r>
-              <a:rPr lang="en-US" dirty="0" smtClean="0"/>
+              <a:rPr lang="en-US" dirty="0"/>
               <a:t>Approach</a:t>
             </a:r>
           </a:p>
           <a:p>
             <a:r>
-              <a:rPr lang="en-US" b="0" dirty="0" smtClean="0"/>
+              <a:rPr lang="en-US" b="0" dirty="0"/>
               <a:t>Feature Selection</a:t>
             </a:r>
             <a:endParaRPr lang="de-DE" b="0" dirty="0"/>
@@ -6428,16 +6270,8 @@
               <a:defRPr/>
             </a:pPr>
             <a:r>
-              <a:rPr lang="en-US" dirty="0" smtClean="0"/>
-              <a:t>Excluded </a:t>
-            </a:r>
-            <a:r>
               <a:rPr lang="en-US" dirty="0"/>
-              <a:t>features that looked too hard to deal with or seemed not worth </a:t>
-            </a:r>
-            <a:r>
-              <a:rPr lang="en-US" dirty="0" smtClean="0"/>
-              <a:t>it</a:t>
+              <a:t>Excluded features that looked too hard to deal with or seemed not worth it</a:t>
             </a:r>
           </a:p>
           <a:p>
@@ -6455,11 +6289,7 @@
             </a:pPr>
             <a:r>
               <a:rPr lang="en-US" altLang="de-DE" dirty="0"/>
-              <a:t>Calculated a correlation </a:t>
-            </a:r>
-            <a:r>
-              <a:rPr lang="en-US" altLang="de-DE" dirty="0" smtClean="0"/>
-              <a:t>matrix</a:t>
+              <a:t>Calculated a correlation matrix</a:t>
             </a:r>
           </a:p>
           <a:p>
@@ -6476,7 +6306,7 @@
               <a:defRPr/>
             </a:pPr>
             <a:r>
-              <a:rPr lang="en-US" dirty="0" smtClean="0"/>
+              <a:rPr lang="en-US" dirty="0"/>
               <a:t>Removed highly interrelated features</a:t>
             </a:r>
           </a:p>
@@ -6494,10 +6324,10 @@
               <a:defRPr/>
             </a:pPr>
             <a:r>
-              <a:rPr lang="en-US" dirty="0" smtClean="0"/>
+              <a:rPr lang="en-US" dirty="0"/>
               <a:t>Too many features might lead to overfitting[2]</a:t>
             </a:r>
-            <a:endParaRPr lang="en-US" altLang="de-DE" dirty="0" smtClean="0"/>
+            <a:endParaRPr lang="en-US" altLang="de-DE" dirty="0"/>
           </a:p>
           <a:p>
             <a:pPr marL="557213" lvl="1" indent="-214313" algn="l">
@@ -6510,7 +6340,7 @@
               <a:defRPr/>
             </a:pPr>
             <a:r>
-              <a:rPr lang="en-US" sz="1600" dirty="0" smtClean="0">
+              <a:rPr lang="en-US" sz="1600" dirty="0">
                 <a:solidFill>
                   <a:schemeClr val="tx1"/>
                 </a:solidFill>
@@ -6529,7 +6359,7 @@
               <a:defRPr/>
             </a:pPr>
             <a:r>
-              <a:rPr lang="en-US" sz="1600" dirty="0" smtClean="0">
+              <a:rPr lang="en-US" sz="1600" dirty="0">
                 <a:solidFill>
                   <a:schemeClr val="tx1"/>
                 </a:solidFill>
@@ -6548,7 +6378,7 @@
               <a:defRPr/>
             </a:pPr>
             <a:r>
-              <a:rPr lang="en-US" sz="1600" dirty="0" smtClean="0">
+              <a:rPr lang="en-US" sz="1600" dirty="0">
                 <a:solidFill>
                   <a:schemeClr val="tx1"/>
                 </a:solidFill>
@@ -6570,7 +6400,7 @@
               <a:defRPr/>
             </a:pPr>
             <a:r>
-              <a:rPr lang="en-US" dirty="0" smtClean="0">
+              <a:rPr lang="en-US" dirty="0">
                 <a:solidFill>
                   <a:schemeClr val="tx1"/>
                 </a:solidFill>
@@ -6578,10 +6408,10 @@
               <a:t>Final </a:t>
             </a:r>
             <a:r>
-              <a:rPr lang="en-US" dirty="0" smtClean="0"/>
-              <a:t>Dataset: 628 features </a:t>
-            </a:r>
-            <a:endParaRPr lang="en-US" dirty="0" smtClean="0">
+              <a:rPr lang="en-US" dirty="0"/>
+              <a:t>Dataset: 632 features </a:t>
+            </a:r>
+            <a:endParaRPr lang="en-US" dirty="0">
               <a:solidFill>
                 <a:schemeClr val="tx1"/>
               </a:solidFill>
@@ -6613,66 +6443,65 @@
           <a:p>
             <a:pPr marL="0" lvl="1"/>
             <a:r>
-              <a:rPr lang="en-US" sz="800" dirty="0" smtClean="0"/>
+              <a:rPr lang="en-US" sz="800" dirty="0"/>
               <a:t>[2] </a:t>
             </a:r>
             <a:r>
-              <a:rPr lang="en-US" sz="800" dirty="0" err="1" smtClean="0"/>
+              <a:rPr lang="en-US" sz="800" dirty="0" err="1"/>
               <a:t>Badillo</a:t>
             </a:r>
             <a:r>
-              <a:rPr lang="en-US" sz="800" dirty="0" smtClean="0"/>
+              <a:rPr lang="en-US" sz="800" dirty="0"/>
               <a:t>, S., </a:t>
             </a:r>
             <a:r>
-              <a:rPr lang="en-US" sz="800" dirty="0" err="1" smtClean="0"/>
+              <a:rPr lang="en-US" sz="800" dirty="0" err="1"/>
               <a:t>Banfai</a:t>
             </a:r>
             <a:r>
-              <a:rPr lang="en-US" sz="800" dirty="0" smtClean="0"/>
+              <a:rPr lang="en-US" sz="800" dirty="0"/>
               <a:t>, B., </a:t>
             </a:r>
             <a:r>
-              <a:rPr lang="en-US" sz="800" dirty="0" err="1" smtClean="0"/>
+              <a:rPr lang="en-US" sz="800" dirty="0" err="1"/>
               <a:t>Birzele</a:t>
             </a:r>
             <a:r>
-              <a:rPr lang="en-US" sz="800" dirty="0" smtClean="0"/>
+              <a:rPr lang="en-US" sz="800" dirty="0"/>
               <a:t>, F., </a:t>
             </a:r>
             <a:r>
-              <a:rPr lang="en-US" sz="800" dirty="0" err="1" smtClean="0"/>
+              <a:rPr lang="en-US" sz="800" dirty="0" err="1"/>
               <a:t>Davydov</a:t>
             </a:r>
             <a:r>
-              <a:rPr lang="en-US" sz="800" dirty="0" smtClean="0"/>
+              <a:rPr lang="en-US" sz="800" dirty="0"/>
               <a:t>, I.I., Hutchinson, L., </a:t>
             </a:r>
             <a:r>
-              <a:rPr lang="en-US" sz="800" dirty="0" err="1" smtClean="0"/>
+              <a:rPr lang="en-US" sz="800" dirty="0" err="1"/>
               <a:t>Kam</a:t>
             </a:r>
             <a:r>
-              <a:rPr lang="en-US" sz="800" dirty="0" smtClean="0"/>
+              <a:rPr lang="en-US" sz="800" dirty="0"/>
               <a:t>-Thong, T., </a:t>
             </a:r>
             <a:r>
-              <a:rPr lang="en-US" sz="800" dirty="0" err="1" smtClean="0"/>
+              <a:rPr lang="en-US" sz="800" dirty="0" err="1"/>
               <a:t>Siebourg-Polster</a:t>
             </a:r>
             <a:r>
-              <a:rPr lang="en-US" sz="800" dirty="0" smtClean="0"/>
+              <a:rPr lang="en-US" sz="800" dirty="0"/>
               <a:t>, J., </a:t>
             </a:r>
             <a:r>
-              <a:rPr lang="en-US" sz="800" dirty="0" err="1" smtClean="0"/>
+              <a:rPr lang="en-US" sz="800" dirty="0" err="1"/>
               <a:t>Steiert</a:t>
             </a:r>
             <a:r>
-              <a:rPr lang="en-US" sz="800" dirty="0" smtClean="0"/>
+              <a:rPr lang="en-US" sz="800" dirty="0"/>
               <a:t>, B. and Zhang, J.D. (2020),</a:t>
             </a:r>
-            <a:endParaRPr lang="en-US" sz="800" dirty="0"/>
           </a:p>
           <a:p>
             <a:pPr marL="0" lvl="1"/>
@@ -6724,13 +6553,6 @@
   <p:clrMapOvr>
     <a:masterClrMapping/>
   </p:clrMapOvr>
-  <p:timing>
-    <p:tnLst>
-      <p:par>
-        <p:cTn id="1" dur="indefinite" restart="never" nodeType="tmRoot"/>
-      </p:par>
-    </p:tnLst>
-  </p:timing>
 </p:sld>
 </file>
 
@@ -6791,13 +6613,13 @@
           <a:lstStyle/>
           <a:p>
             <a:r>
-              <a:rPr lang="en-US" dirty="0" smtClean="0"/>
+              <a:rPr lang="en-US" dirty="0"/>
               <a:t>Approach</a:t>
             </a:r>
           </a:p>
           <a:p>
             <a:r>
-              <a:rPr lang="en-US" b="0" dirty="0" smtClean="0"/>
+              <a:rPr lang="en-US" b="0" dirty="0"/>
               <a:t>Building the models</a:t>
             </a:r>
             <a:endParaRPr lang="de-DE" b="0" dirty="0"/>
@@ -6839,7 +6661,7 @@
               <a:defRPr/>
             </a:pPr>
             <a:r>
-              <a:rPr lang="en-US" dirty="0" smtClean="0"/>
+              <a:rPr lang="en-US" dirty="0"/>
               <a:t>Splitting the data into train and test (80/20)</a:t>
             </a:r>
           </a:p>
@@ -6857,28 +6679,24 @@
               <a:defRPr/>
             </a:pPr>
             <a:r>
-              <a:rPr lang="en-US" b="1" dirty="0" smtClean="0"/>
+              <a:rPr lang="en-US" b="1" dirty="0"/>
               <a:t>Problem:</a:t>
             </a:r>
             <a:r>
-              <a:rPr lang="en-US" dirty="0" smtClean="0"/>
+              <a:rPr lang="en-US" dirty="0"/>
               <a:t> Most </a:t>
             </a:r>
             <a:r>
-              <a:rPr lang="en-US" dirty="0" err="1" smtClean="0"/>
+              <a:rPr lang="en-US" dirty="0" err="1"/>
               <a:t>datapoints</a:t>
             </a:r>
             <a:r>
-              <a:rPr lang="en-US" dirty="0" smtClean="0"/>
+              <a:rPr lang="en-US" dirty="0"/>
               <a:t> did not lead to a sale</a:t>
             </a:r>
             <a:r>
               <a:rPr lang="de-DE" dirty="0"/>
-              <a:t> </a:t>
-            </a:r>
-            <a:r>
-              <a:rPr lang="de-DE" dirty="0" smtClean="0"/>
-              <a:t>-&gt; imbalanced dataset</a:t>
+              <a:t> -&gt; imbalanced dataset</a:t>
             </a:r>
           </a:p>
           <a:p>
@@ -6895,14 +6713,14 @@
               <a:defRPr/>
             </a:pPr>
             <a:r>
-              <a:rPr lang="de-DE" b="1" dirty="0" smtClean="0"/>
+              <a:rPr lang="de-DE" b="1" dirty="0"/>
               <a:t>Solution:</a:t>
             </a:r>
             <a:r>
-              <a:rPr lang="de-DE" dirty="0" smtClean="0"/>
+              <a:rPr lang="de-DE" dirty="0"/>
               <a:t> Use of upsampling to balance the data</a:t>
             </a:r>
-            <a:endParaRPr lang="en-US" b="1" dirty="0" smtClean="0"/>
+            <a:endParaRPr lang="en-US" b="1" dirty="0"/>
           </a:p>
         </p:txBody>
       </p:sp>
@@ -7142,13 +6960,13 @@
           <a:lstStyle/>
           <a:p>
             <a:r>
-              <a:rPr lang="en-US" dirty="0" smtClean="0"/>
+              <a:rPr lang="en-US" dirty="0"/>
               <a:t>Approach</a:t>
             </a:r>
           </a:p>
           <a:p>
             <a:r>
-              <a:rPr lang="en-US" b="0" dirty="0" smtClean="0"/>
+              <a:rPr lang="en-US" b="0" dirty="0"/>
               <a:t>Finding the best model</a:t>
             </a:r>
             <a:endParaRPr lang="de-DE" b="0" dirty="0"/>
@@ -7190,22 +7008,9 @@
               <a:defRPr/>
             </a:pPr>
             <a:r>
-              <a:rPr lang="en-US" dirty="0" smtClean="0"/>
-              <a:t>Models </a:t>
-            </a:r>
-            <a:r>
-              <a:rPr lang="en-US" dirty="0" smtClean="0"/>
-              <a:t>tried: Logistic </a:t>
-            </a:r>
-            <a:r>
-              <a:rPr lang="en-US" dirty="0" smtClean="0"/>
-              <a:t>Regression, Gaussian Naive Bayes, Multilayer-Perceptron, </a:t>
-            </a:r>
-            <a:r>
               <a:rPr lang="en-US" dirty="0"/>
-              <a:t>Random Forest, Gradient Boosting Classifier</a:t>
-            </a:r>
-            <a:endParaRPr lang="en-US" dirty="0" smtClean="0"/>
+              <a:t>Models tested: Logistic Regression, Gaussian Naive Bayes, Multilayer-Perceptron, Random Forest, Gradient Boosting Classifier</a:t>
+            </a:r>
           </a:p>
           <a:p>
             <a:pPr marL="214313" indent="-214313">
@@ -7221,20 +7026,12 @@
               <a:defRPr/>
             </a:pPr>
             <a:r>
-              <a:rPr lang="en-US" b="1" dirty="0" smtClean="0"/>
+              <a:rPr lang="en-US" b="1" dirty="0"/>
               <a:t>Best model: </a:t>
             </a:r>
             <a:r>
-              <a:rPr lang="en-US" dirty="0" smtClean="0"/>
-              <a:t>Random Forest with </a:t>
-            </a:r>
-            <a:r>
-              <a:rPr lang="en-US" dirty="0" smtClean="0"/>
-              <a:t>84% </a:t>
-            </a:r>
-            <a:r>
-              <a:rPr lang="en-US" dirty="0" smtClean="0"/>
-              <a:t>accuracy</a:t>
+              <a:rPr lang="en-US" dirty="0"/>
+              <a:t>Random Forest with 84% accuracy</a:t>
             </a:r>
           </a:p>
         </p:txBody>
@@ -7595,13 +7392,13 @@
           <a:lstStyle/>
           <a:p>
             <a:r>
-              <a:rPr lang="en-US" dirty="0" smtClean="0"/>
+              <a:rPr lang="en-US" dirty="0"/>
               <a:t>Evaluation</a:t>
             </a:r>
           </a:p>
           <a:p>
             <a:r>
-              <a:rPr lang="en-US" b="0" dirty="0" smtClean="0"/>
+              <a:rPr lang="en-US" b="0" dirty="0"/>
               <a:t>Comparing the best model with the Visitor_Score</a:t>
             </a:r>
             <a:endParaRPr lang="de-DE" b="0" dirty="0"/>
@@ -7643,7 +7440,7 @@
               <a:defRPr/>
             </a:pPr>
             <a:r>
-              <a:rPr lang="en-US" dirty="0" smtClean="0">
+              <a:rPr lang="en-US" dirty="0">
                 <a:solidFill>
                   <a:schemeClr val="tx1"/>
                 </a:solidFill>
@@ -7665,7 +7462,7 @@
               <a:defRPr/>
             </a:pPr>
             <a:r>
-              <a:rPr lang="en-US" dirty="0" smtClean="0">
+              <a:rPr lang="en-US" dirty="0">
                 <a:solidFill>
                   <a:schemeClr val="tx1"/>
                 </a:solidFill>
@@ -7687,7 +7484,7 @@
               <a:defRPr/>
             </a:pPr>
             <a:r>
-              <a:rPr lang="en-US" dirty="0" smtClean="0">
+              <a:rPr lang="en-US" dirty="0">
                 <a:solidFill>
                   <a:schemeClr val="tx1"/>
                 </a:solidFill>
@@ -7933,17 +7730,17 @@
           <a:lstStyle/>
           <a:p>
             <a:r>
-              <a:rPr lang="en-US" dirty="0" smtClean="0"/>
+              <a:rPr lang="en-US" dirty="0"/>
               <a:t>Possible Future Optimizations</a:t>
             </a:r>
           </a:p>
           <a:p>
             <a:r>
-              <a:rPr lang="en-US" b="0" dirty="0" err="1" smtClean="0"/>
+              <a:rPr lang="en-US" b="0" dirty="0" err="1"/>
               <a:t>Hyperparameter</a:t>
             </a:r>
             <a:r>
-              <a:rPr lang="en-US" b="0" dirty="0" smtClean="0"/>
+              <a:rPr lang="en-US" b="0" dirty="0"/>
               <a:t> Tuning</a:t>
             </a:r>
             <a:endParaRPr lang="de-DE" b="0" dirty="0"/>
@@ -7985,19 +7782,19 @@
               <a:defRPr/>
             </a:pPr>
             <a:r>
-              <a:rPr lang="en-US" b="1" dirty="0" smtClean="0"/>
+              <a:rPr lang="en-US" b="1" dirty="0"/>
               <a:t>Goal</a:t>
             </a:r>
             <a:r>
-              <a:rPr lang="en-US" dirty="0" smtClean="0"/>
+              <a:rPr lang="en-US" dirty="0"/>
               <a:t>: Finding best </a:t>
             </a:r>
             <a:r>
-              <a:rPr lang="en-US" dirty="0" err="1" smtClean="0"/>
+              <a:rPr lang="en-US" dirty="0" err="1"/>
               <a:t>hyperparameters</a:t>
             </a:r>
             <a:r>
-              <a:rPr lang="en-US" dirty="0" smtClean="0"/>
+              <a:rPr lang="en-US" dirty="0"/>
               <a:t> for optimal model performance[3]</a:t>
             </a:r>
           </a:p>
@@ -8015,7 +7812,7 @@
               <a:defRPr/>
             </a:pPr>
             <a:r>
-              <a:rPr lang="en-US" b="1" dirty="0" smtClean="0"/>
+              <a:rPr lang="en-US" b="1" dirty="0"/>
               <a:t>Options:</a:t>
             </a:r>
           </a:p>
@@ -8033,14 +7830,14 @@
               <a:defRPr/>
             </a:pPr>
             <a:r>
-              <a:rPr lang="en-US" sz="1600" b="1" dirty="0" err="1" smtClean="0">
+              <a:rPr lang="en-US" sz="1600" b="1" dirty="0" err="1">
                 <a:solidFill>
                   <a:schemeClr val="tx1"/>
                 </a:solidFill>
               </a:rPr>
               <a:t>GridSearch</a:t>
             </a:r>
-            <a:endParaRPr lang="en-US" sz="1600" dirty="0" smtClean="0">
+            <a:endParaRPr lang="en-US" sz="1600" dirty="0">
               <a:solidFill>
                 <a:schemeClr val="tx1"/>
               </a:solidFill>
@@ -8098,7 +7895,7 @@
               <a:defRPr/>
             </a:pPr>
             <a:r>
-              <a:rPr lang="en-US" sz="1600" dirty="0" smtClean="0">
+              <a:rPr lang="en-US" sz="1600" dirty="0">
                 <a:solidFill>
                   <a:schemeClr val="tx1"/>
                 </a:solidFill>
@@ -8120,7 +7917,7 @@
               <a:defRPr/>
             </a:pPr>
             <a:r>
-              <a:rPr lang="en-US" sz="1600" b="1" dirty="0" smtClean="0">
+              <a:rPr lang="en-US" sz="1600" b="1" dirty="0">
                 <a:solidFill>
                   <a:schemeClr val="tx1"/>
                 </a:solidFill>
@@ -8142,7 +7939,7 @@
               <a:defRPr/>
             </a:pPr>
             <a:r>
-              <a:rPr lang="en-US" sz="1600" dirty="0" smtClean="0">
+              <a:rPr lang="en-US" sz="1600" dirty="0">
                 <a:solidFill>
                   <a:schemeClr val="tx1"/>
                 </a:solidFill>
@@ -8150,7 +7947,7 @@
               <a:t>Random choice of </a:t>
             </a:r>
             <a:r>
-              <a:rPr lang="en-US" sz="1600" dirty="0" err="1" smtClean="0">
+              <a:rPr lang="en-US" sz="1600" dirty="0" err="1">
                 <a:solidFill>
                   <a:schemeClr val="tx1"/>
                 </a:solidFill>
@@ -8158,7 +7955,7 @@
               <a:t>hyperparameters</a:t>
             </a:r>
             <a:r>
-              <a:rPr lang="en-US" sz="1600" dirty="0" smtClean="0">
+              <a:rPr lang="en-US" sz="1600" dirty="0">
                 <a:solidFill>
                   <a:schemeClr val="tx1"/>
                 </a:solidFill>
@@ -8180,7 +7977,7 @@
               <a:defRPr/>
             </a:pPr>
             <a:r>
-              <a:rPr lang="en-US" sz="1600" dirty="0" smtClean="0">
+              <a:rPr lang="en-US" sz="1600" dirty="0">
                 <a:solidFill>
                   <a:schemeClr val="tx1"/>
                 </a:solidFill>
@@ -8202,7 +7999,7 @@
               <a:defRPr/>
             </a:pPr>
             <a:r>
-              <a:rPr lang="en-US" sz="1600" b="1" dirty="0" smtClean="0">
+              <a:rPr lang="en-US" sz="1600" b="1" dirty="0">
                 <a:solidFill>
                   <a:schemeClr val="tx1"/>
                 </a:solidFill>
@@ -8224,7 +8021,7 @@
               <a:defRPr/>
             </a:pPr>
             <a:r>
-              <a:rPr lang="en-US" sz="1600" dirty="0" smtClean="0">
+              <a:rPr lang="en-US" sz="1600" dirty="0">
                 <a:solidFill>
                   <a:schemeClr val="tx1"/>
                 </a:solidFill>
@@ -8232,14 +8029,14 @@
               <a:t>Uses probabilistic model to predict promising </a:t>
             </a:r>
             <a:r>
-              <a:rPr lang="en-US" sz="1600" dirty="0" err="1" smtClean="0">
+              <a:rPr lang="en-US" sz="1600" dirty="0" err="1">
                 <a:solidFill>
                   <a:schemeClr val="tx1"/>
                 </a:solidFill>
               </a:rPr>
               <a:t>hyperparameters</a:t>
             </a:r>
-            <a:endParaRPr lang="en-US" sz="1600" dirty="0" smtClean="0">
+            <a:endParaRPr lang="en-US" sz="1600" dirty="0">
               <a:solidFill>
                 <a:schemeClr val="tx1"/>
               </a:solidFill>
@@ -8264,15 +8061,7 @@
                   <a:schemeClr val="tx1"/>
                 </a:solidFill>
               </a:rPr>
-              <a:t>Optimizes search by using previous </a:t>
-            </a:r>
-            <a:r>
-              <a:rPr lang="en-US" sz="1600" dirty="0" smtClean="0">
-                <a:solidFill>
-                  <a:schemeClr val="tx1"/>
-                </a:solidFill>
-              </a:rPr>
-              <a:t>iterations</a:t>
+              <a:t>Optimizes search by using previous iterations</a:t>
             </a:r>
           </a:p>
           <a:p>
@@ -8289,7 +8078,7 @@
               <a:defRPr/>
             </a:pPr>
             <a:r>
-              <a:rPr lang="en-US" sz="1600" dirty="0" err="1" smtClean="0">
+              <a:rPr lang="en-US" sz="1600" dirty="0" err="1">
                 <a:solidFill>
                   <a:schemeClr val="tx1"/>
                 </a:solidFill>
@@ -8297,7 +8086,7 @@
               <a:t>Minmizes</a:t>
             </a:r>
             <a:r>
-              <a:rPr lang="en-US" sz="1600" dirty="0" smtClean="0">
+              <a:rPr lang="en-US" sz="1600" dirty="0">
                 <a:solidFill>
                   <a:schemeClr val="tx1"/>
                 </a:solidFill>
@@ -8331,7 +8120,7 @@
           <a:p>
             <a:pPr marL="0" lvl="1"/>
             <a:r>
-              <a:rPr lang="en-US" sz="800" dirty="0" smtClean="0"/>
+              <a:rPr lang="en-US" sz="800" dirty="0"/>
               <a:t>[3] </a:t>
             </a:r>
             <a:r>
@@ -8467,13 +8256,6 @@
   <p:clrMapOvr>
     <a:masterClrMapping/>
   </p:clrMapOvr>
-  <p:timing>
-    <p:tnLst>
-      <p:par>
-        <p:cTn id="1" dur="indefinite" restart="never" nodeType="tmRoot"/>
-      </p:par>
-    </p:tnLst>
-  </p:timing>
 </p:sld>
 </file>
 

--- a/doc/presentation.pptx
+++ b/doc/presentation.pptx
@@ -7031,7 +7031,15 @@
             </a:r>
             <a:r>
               <a:rPr lang="en-US" dirty="0"/>
-              <a:t>Random Forest with 84% accuracy</a:t>
+              <a:t>Gradient </a:t>
+            </a:r>
+            <a:r>
+              <a:rPr lang="en-US"/>
+              <a:t>Boosting Classifier </a:t>
+            </a:r>
+            <a:r>
+              <a:rPr lang="en-US" dirty="0"/>
+              <a:t>with 84% accuracy</a:t>
             </a:r>
           </a:p>
         </p:txBody>
